--- a/aina-lets-learn-r.pptx
+++ b/aina-lets-learn-r.pptx
@@ -35267,7 +35267,7 @@
                 </a:solidFill>
                 <a:latin typeface="Pragmatica" panose="020B0403040502020204"/>
               </a:rPr>
-              <a:t>6. First Steps with Python for Excel Users</a:t>
+              <a:t>6. First Steps with R for Excel Users</a:t>
             </a:r>
           </a:p>
         </p:txBody>
@@ -35304,19 +35304,19 @@
       </p:grpSpPr>
       <p:pic>
         <p:nvPicPr>
-          <p:cNvPr id="4" name="Picture 3" descr="Graphical user interface, application, icon&#10;&#10;Description automatically generated">
+          <p:cNvPr id="1026" name="Picture 2" descr="There's a package for that! Quote">
             <a:extLst>
               <a:ext uri="{FF2B5EF4-FFF2-40B4-BE49-F238E27FC236}">
-                <a16:creationId xmlns:a16="http://schemas.microsoft.com/office/drawing/2014/main" id="{A712A01B-0288-4354-8C7C-A34D5AF2C311}"/>
+                <a16:creationId xmlns:a16="http://schemas.microsoft.com/office/drawing/2014/main" id="{641532CE-3DD8-4D3C-8663-67B69B6B386B}"/>
               </a:ext>
             </a:extLst>
           </p:cNvPr>
           <p:cNvPicPr>
-            <a:picLocks noChangeAspect="1"/>
+            <a:picLocks noChangeAspect="1" noChangeArrowheads="1"/>
           </p:cNvPicPr>
           <p:nvPr/>
         </p:nvPicPr>
-        <p:blipFill rotWithShape="1">
+        <p:blipFill>
           <a:blip r:embed="rId3">
             <a:extLst>
               <a:ext uri="{28A0092B-C50C-407E-A947-70E740481C1C}">
@@ -35324,17 +35324,29 @@
               </a:ext>
             </a:extLst>
           </a:blip>
-          <a:srcRect l="18586" t="26117" r="24476" b="19863"/>
-          <a:stretch/>
+          <a:srcRect/>
+          <a:stretch>
+            <a:fillRect/>
+          </a:stretch>
         </p:blipFill>
-        <p:spPr>
+        <p:spPr bwMode="auto">
           <a:xfrm>
-            <a:off x="7428412" y="1543847"/>
-            <a:ext cx="3047384" cy="5140006"/>
+            <a:off x="7048499" y="0"/>
+            <a:ext cx="5143500" cy="6858000"/>
           </a:xfrm>
           <a:prstGeom prst="rect">
             <a:avLst/>
           </a:prstGeom>
+          <a:noFill/>
+          <a:extLst>
+            <a:ext uri="{909E8E84-426E-40DD-AFC4-6F175D3DCCD1}">
+              <a14:hiddenFill xmlns:a14="http://schemas.microsoft.com/office/drawing/2010/main">
+                <a:solidFill>
+                  <a:srgbClr val="FFFFFF"/>
+                </a:solidFill>
+              </a14:hiddenFill>
+            </a:ext>
+          </a:extLst>
         </p:spPr>
       </p:pic>
       <p:pic>
